--- a/Capstone 2/1.4 Walmart TripType Presentation.pptx
+++ b/Capstone 2/1.4 Walmart TripType Presentation.pptx
@@ -234,7 +234,7 @@
           <a:p>
             <a:fld id="{B9BB3A80-9212-694F-9646-09E5B1B63663}" type="datetimeFigureOut">
               <a:rPr lang="en-US" smtClean="0"/>
-              <a:t>7/23/2020</a:t>
+              <a:t>7/28/2020</a:t>
             </a:fld>
             <a:endParaRPr lang="en-US"/>
           </a:p>
@@ -411,7 +411,7 @@
           <a:p>
             <a:fld id="{D0C2CEBF-44E1-424B-BDE3-1D18FF87BDBC}" type="datetimeFigureOut">
               <a:rPr lang="en-US" smtClean="0"/>
-              <a:t>7/23/2020</a:t>
+              <a:t>7/28/2020</a:t>
             </a:fld>
             <a:endParaRPr lang="en-US"/>
           </a:p>
@@ -14229,23 +14229,7 @@
                   <a:schemeClr val="accent4"/>
                 </a:solidFill>
               </a:rPr>
-              <a:t>Classification Report shows that the recall and </a:t>
-            </a:r>
-            <a:r>
-              <a:rPr lang="en-US" dirty="0" err="1">
-                <a:solidFill>
-                  <a:schemeClr val="accent4"/>
-                </a:solidFill>
-              </a:rPr>
-              <a:t>precsion</a:t>
-            </a:r>
-            <a:r>
-              <a:rPr lang="en-US" dirty="0">
-                <a:solidFill>
-                  <a:schemeClr val="accent4"/>
-                </a:solidFill>
-              </a:rPr>
-              <a:t> varies significantly for certain </a:t>
+              <a:t>Classification Report shows that the recall and precision varies significantly for certain </a:t>
             </a:r>
             <a:r>
               <a:rPr lang="en-US" dirty="0" err="1">
@@ -15120,15 +15104,7 @@
             </a:pPr>
             <a:r>
               <a:rPr lang="en-US" dirty="0"/>
-              <a:t>Additionally they can use information to construct a loyalty program so that buying from one item, ends with consumers getting points which can be </a:t>
-            </a:r>
-            <a:r>
-              <a:rPr lang="en-US" dirty="0" err="1"/>
-              <a:t>redemed</a:t>
-            </a:r>
-            <a:r>
-              <a:rPr lang="en-US" dirty="0"/>
-              <a:t> towards other items</a:t>
+              <a:t>Additionally they can use information to construct a loyalty program so that buying from one item, ends with consumers getting points which can be redeemed towards other items</a:t>
             </a:r>
           </a:p>
         </p:txBody>
@@ -15366,20 +15342,12 @@
               <a:buChar char="•"/>
             </a:pPr>
             <a:r>
-              <a:rPr lang="en-US" dirty="0" err="1">
+              <a:rPr lang="en-US" dirty="0">
                 <a:solidFill>
                   <a:schemeClr val="accent4"/>
                 </a:solidFill>
               </a:rPr>
-              <a:t>Feauture</a:t>
-            </a:r>
-            <a:r>
-              <a:rPr lang="en-US" dirty="0">
-                <a:solidFill>
-                  <a:schemeClr val="accent4"/>
-                </a:solidFill>
-              </a:rPr>
-              <a:t> Engineered variables:</a:t>
+              <a:t>Feature Engineered variables:</a:t>
             </a:r>
           </a:p>
           <a:p>
@@ -15584,15 +15552,25 @@
             <p:ph type="body" sz="quarter" idx="14"/>
           </p:nvPr>
         </p:nvSpPr>
-        <p:spPr/>
+        <p:spPr>
+          <a:xfrm>
+            <a:off x="3274189" y="3681724"/>
+            <a:ext cx="5025458" cy="646331"/>
+          </a:xfrm>
+        </p:spPr>
         <p:txBody>
           <a:bodyPr/>
           <a:lstStyle/>
           <a:p>
             <a:r>
               <a:rPr lang="en-US" dirty="0"/>
-              <a:t>Predict Walmart Trip Type</a:t>
+              <a:t>Predict Walmart Trip Type and determine which factors influence each </a:t>
             </a:r>
+            <a:r>
+              <a:rPr lang="en-US" dirty="0" err="1"/>
+              <a:t>TripType</a:t>
+            </a:r>
+            <a:endParaRPr lang="en-US" dirty="0"/>
           </a:p>
         </p:txBody>
       </p:sp>
@@ -15716,7 +15694,7 @@
         <p:spPr>
           <a:xfrm>
             <a:off x="100668" y="301443"/>
-            <a:ext cx="12192000" cy="3703505"/>
+            <a:ext cx="11991805" cy="3703505"/>
           </a:xfrm>
           <a:prstGeom prst="rect">
             <a:avLst/>
@@ -17508,7 +17486,7 @@
         </p:nvSpPr>
         <p:spPr>
           <a:xfrm>
-            <a:off x="3867325" y="4865615"/>
+            <a:off x="4305863" y="4865615"/>
             <a:ext cx="4915948" cy="369332"/>
           </a:xfrm>
           <a:prstGeom prst="rect">
@@ -18943,6 +18921,21 @@
 </file>
 
 <file path=customXml/item1.xml><?xml version="1.0" encoding="utf-8"?>
+<?mso-contentType ?>
+<FormTemplates xmlns="http://schemas.microsoft.com/sharepoint/v3/contenttype/forms">
+  <Display>DocumentLibraryForm</Display>
+  <Edit>DocumentLibraryForm</Edit>
+  <New>DocumentLibraryForm</New>
+</FormTemplates>
+</file>
+
+<file path=customXml/item2.xml><?xml version="1.0" encoding="utf-8"?>
+<p:properties xmlns:p="http://schemas.microsoft.com/office/2006/metadata/properties" xmlns:xsi="http://www.w3.org/2001/XMLSchema-instance" xmlns:pc="http://schemas.microsoft.com/office/infopath/2007/PartnerControls">
+  <documentManagement/>
+</p:properties>
+</file>
+
+<file path=customXml/item3.xml><?xml version="1.0" encoding="utf-8"?>
 <ct:contentTypeSchema xmlns:ct="http://schemas.microsoft.com/office/2006/metadata/contentType" xmlns:ma="http://schemas.microsoft.com/office/2006/metadata/properties/metaAttributes" ct:_="" ma:_="" ma:contentTypeName="Document" ma:contentTypeID="0x0101007DD3BAA246B52B4EB099E856BD5822FD" ma:contentTypeVersion="12" ma:contentTypeDescription="Create a new document." ma:contentTypeScope="" ma:versionID="1f25e3c53ce0afa0580163df253f1cc6">
   <xsd:schema xmlns:xsd="http://www.w3.org/2001/XMLSchema" xmlns:xs="http://www.w3.org/2001/XMLSchema" xmlns:p="http://schemas.microsoft.com/office/2006/metadata/properties" xmlns:ns2="5b34241c-4db6-4fb2-86f9-b50e8ebabed6" xmlns:ns3="e7fa269e-0501-4b9e-8494-04a0dc37c81c" targetNamespace="http://schemas.microsoft.com/office/2006/metadata/properties" ma:root="true" ma:fieldsID="ebd68211238a57a3cdb37cc30747e56a" ns2:_="" ns3:_="">
     <xsd:import namespace="5b34241c-4db6-4fb2-86f9-b50e8ebabed6"/>
@@ -19159,36 +19152,10 @@
 </ct:contentTypeSchema>
 </file>
 
-<file path=customXml/item2.xml><?xml version="1.0" encoding="utf-8"?>
-<p:properties xmlns:p="http://schemas.microsoft.com/office/2006/metadata/properties" xmlns:xsi="http://www.w3.org/2001/XMLSchema-instance" xmlns:pc="http://schemas.microsoft.com/office/infopath/2007/PartnerControls">
-  <documentManagement/>
-</p:properties>
-</file>
-
-<file path=customXml/item3.xml><?xml version="1.0" encoding="utf-8"?>
-<?mso-contentType ?>
-<FormTemplates xmlns="http://schemas.microsoft.com/sharepoint/v3/contenttype/forms">
-  <Display>DocumentLibraryForm</Display>
-  <Edit>DocumentLibraryForm</Edit>
-  <New>DocumentLibraryForm</New>
-</FormTemplates>
-</file>
-
 <file path=customXml/itemProps1.xml><?xml version="1.0" encoding="utf-8"?>
-<ds:datastoreItem xmlns:ds="http://schemas.openxmlformats.org/officeDocument/2006/customXml" ds:itemID="{40C6BE44-74DC-4273-A4C1-8ADDBCD80069}">
+<ds:datastoreItem xmlns:ds="http://schemas.openxmlformats.org/officeDocument/2006/customXml" ds:itemID="{C1076AF4-A031-4046-960D-47B7863771CF}">
   <ds:schemaRefs>
-    <ds:schemaRef ds:uri="http://schemas.microsoft.com/office/2006/metadata/contentType"/>
-    <ds:schemaRef ds:uri="http://schemas.microsoft.com/office/2006/metadata/properties/metaAttributes"/>
-    <ds:schemaRef ds:uri="http://www.w3.org/2001/XMLSchema"/>
-    <ds:schemaRef ds:uri="http://schemas.microsoft.com/office/2006/metadata/properties"/>
-    <ds:schemaRef ds:uri="5b34241c-4db6-4fb2-86f9-b50e8ebabed6"/>
-    <ds:schemaRef ds:uri="e7fa269e-0501-4b9e-8494-04a0dc37c81c"/>
-    <ds:schemaRef ds:uri="http://schemas.microsoft.com/office/2006/documentManagement/types"/>
-    <ds:schemaRef ds:uri="http://schemas.microsoft.com/office/infopath/2007/PartnerControls"/>
-    <ds:schemaRef ds:uri="http://schemas.openxmlformats.org/package/2006/metadata/core-properties"/>
-    <ds:schemaRef ds:uri="http://purl.org/dc/elements/1.1/"/>
-    <ds:schemaRef ds:uri="http://purl.org/dc/terms/"/>
-    <ds:schemaRef ds:uri="http://schemas.microsoft.com/internal/obd"/>
+    <ds:schemaRef ds:uri="http://schemas.microsoft.com/sharepoint/v3/contenttype/forms"/>
   </ds:schemaRefs>
 </ds:datastoreItem>
 </file>
@@ -19211,9 +19178,20 @@
 </file>
 
 <file path=customXml/itemProps3.xml><?xml version="1.0" encoding="utf-8"?>
-<ds:datastoreItem xmlns:ds="http://schemas.openxmlformats.org/officeDocument/2006/customXml" ds:itemID="{C1076AF4-A031-4046-960D-47B7863771CF}">
+<ds:datastoreItem xmlns:ds="http://schemas.openxmlformats.org/officeDocument/2006/customXml" ds:itemID="{40C6BE44-74DC-4273-A4C1-8ADDBCD80069}">
   <ds:schemaRefs>
-    <ds:schemaRef ds:uri="http://schemas.microsoft.com/sharepoint/v3/contenttype/forms"/>
+    <ds:schemaRef ds:uri="http://schemas.microsoft.com/office/2006/metadata/contentType"/>
+    <ds:schemaRef ds:uri="http://schemas.microsoft.com/office/2006/metadata/properties/metaAttributes"/>
+    <ds:schemaRef ds:uri="http://www.w3.org/2001/XMLSchema"/>
+    <ds:schemaRef ds:uri="http://schemas.microsoft.com/office/2006/metadata/properties"/>
+    <ds:schemaRef ds:uri="5b34241c-4db6-4fb2-86f9-b50e8ebabed6"/>
+    <ds:schemaRef ds:uri="e7fa269e-0501-4b9e-8494-04a0dc37c81c"/>
+    <ds:schemaRef ds:uri="http://schemas.microsoft.com/office/2006/documentManagement/types"/>
+    <ds:schemaRef ds:uri="http://schemas.microsoft.com/office/infopath/2007/PartnerControls"/>
+    <ds:schemaRef ds:uri="http://schemas.openxmlformats.org/package/2006/metadata/core-properties"/>
+    <ds:schemaRef ds:uri="http://purl.org/dc/elements/1.1/"/>
+    <ds:schemaRef ds:uri="http://purl.org/dc/terms/"/>
+    <ds:schemaRef ds:uri="http://schemas.microsoft.com/internal/obd"/>
   </ds:schemaRefs>
 </ds:datastoreItem>
 </file>